--- a/360VSOD/show/figure_update/categories.pptx
+++ b/360VSOD/show/figure_update/categories.pptx
@@ -208,7 +208,7 @@
           <a:p>
             <a:fld id="{4D767C3C-CB79-433A-B56E-CEFBFF27F7E9}" type="datetimeFigureOut">
               <a:rPr lang="zh-CN" altLang="en-US" smtClean="0"/>
-              <a:t>2020/8/30</a:t>
+              <a:t>2020/9/12</a:t>
             </a:fld>
             <a:endParaRPr lang="zh-CN" altLang="en-US"/>
           </a:p>
@@ -783,7 +783,7 @@
           <a:p>
             <a:fld id="{E6CC5C35-FB31-44E8-A264-844A8D87695E}" type="datetimeFigureOut">
               <a:rPr lang="zh-CN" altLang="en-US" smtClean="0"/>
-              <a:t>2020/8/30</a:t>
+              <a:t>2020/9/12</a:t>
             </a:fld>
             <a:endParaRPr lang="zh-CN" altLang="en-US"/>
           </a:p>
@@ -953,7 +953,7 @@
           <a:p>
             <a:fld id="{E6CC5C35-FB31-44E8-A264-844A8D87695E}" type="datetimeFigureOut">
               <a:rPr lang="zh-CN" altLang="en-US" smtClean="0"/>
-              <a:t>2020/8/30</a:t>
+              <a:t>2020/9/12</a:t>
             </a:fld>
             <a:endParaRPr lang="zh-CN" altLang="en-US"/>
           </a:p>
@@ -1133,7 +1133,7 @@
           <a:p>
             <a:fld id="{E6CC5C35-FB31-44E8-A264-844A8D87695E}" type="datetimeFigureOut">
               <a:rPr lang="zh-CN" altLang="en-US" smtClean="0"/>
-              <a:t>2020/8/30</a:t>
+              <a:t>2020/9/12</a:t>
             </a:fld>
             <a:endParaRPr lang="zh-CN" altLang="en-US"/>
           </a:p>
@@ -1303,7 +1303,7 @@
           <a:p>
             <a:fld id="{E6CC5C35-FB31-44E8-A264-844A8D87695E}" type="datetimeFigureOut">
               <a:rPr lang="zh-CN" altLang="en-US" smtClean="0"/>
-              <a:t>2020/8/30</a:t>
+              <a:t>2020/9/12</a:t>
             </a:fld>
             <a:endParaRPr lang="zh-CN" altLang="en-US"/>
           </a:p>
@@ -1549,7 +1549,7 @@
           <a:p>
             <a:fld id="{E6CC5C35-FB31-44E8-A264-844A8D87695E}" type="datetimeFigureOut">
               <a:rPr lang="zh-CN" altLang="en-US" smtClean="0"/>
-              <a:t>2020/8/30</a:t>
+              <a:t>2020/9/12</a:t>
             </a:fld>
             <a:endParaRPr lang="zh-CN" altLang="en-US"/>
           </a:p>
@@ -1781,7 +1781,7 @@
           <a:p>
             <a:fld id="{E6CC5C35-FB31-44E8-A264-844A8D87695E}" type="datetimeFigureOut">
               <a:rPr lang="zh-CN" altLang="en-US" smtClean="0"/>
-              <a:t>2020/8/30</a:t>
+              <a:t>2020/9/12</a:t>
             </a:fld>
             <a:endParaRPr lang="zh-CN" altLang="en-US"/>
           </a:p>
@@ -2148,7 +2148,7 @@
           <a:p>
             <a:fld id="{E6CC5C35-FB31-44E8-A264-844A8D87695E}" type="datetimeFigureOut">
               <a:rPr lang="zh-CN" altLang="en-US" smtClean="0"/>
-              <a:t>2020/8/30</a:t>
+              <a:t>2020/9/12</a:t>
             </a:fld>
             <a:endParaRPr lang="zh-CN" altLang="en-US"/>
           </a:p>
@@ -2266,7 +2266,7 @@
           <a:p>
             <a:fld id="{E6CC5C35-FB31-44E8-A264-844A8D87695E}" type="datetimeFigureOut">
               <a:rPr lang="zh-CN" altLang="en-US" smtClean="0"/>
-              <a:t>2020/8/30</a:t>
+              <a:t>2020/9/12</a:t>
             </a:fld>
             <a:endParaRPr lang="zh-CN" altLang="en-US"/>
           </a:p>
@@ -2361,7 +2361,7 @@
           <a:p>
             <a:fld id="{E6CC5C35-FB31-44E8-A264-844A8D87695E}" type="datetimeFigureOut">
               <a:rPr lang="zh-CN" altLang="en-US" smtClean="0"/>
-              <a:t>2020/8/30</a:t>
+              <a:t>2020/9/12</a:t>
             </a:fld>
             <a:endParaRPr lang="zh-CN" altLang="en-US"/>
           </a:p>
@@ -2638,7 +2638,7 @@
           <a:p>
             <a:fld id="{E6CC5C35-FB31-44E8-A264-844A8D87695E}" type="datetimeFigureOut">
               <a:rPr lang="zh-CN" altLang="en-US" smtClean="0"/>
-              <a:t>2020/8/30</a:t>
+              <a:t>2020/9/12</a:t>
             </a:fld>
             <a:endParaRPr lang="zh-CN" altLang="en-US"/>
           </a:p>
@@ -2891,7 +2891,7 @@
           <a:p>
             <a:fld id="{E6CC5C35-FB31-44E8-A264-844A8D87695E}" type="datetimeFigureOut">
               <a:rPr lang="zh-CN" altLang="en-US" smtClean="0"/>
-              <a:t>2020/8/30</a:t>
+              <a:t>2020/9/12</a:t>
             </a:fld>
             <a:endParaRPr lang="zh-CN" altLang="en-US"/>
           </a:p>
@@ -3104,7 +3104,7 @@
           <a:p>
             <a:fld id="{E6CC5C35-FB31-44E8-A264-844A8D87695E}" type="datetimeFigureOut">
               <a:rPr lang="zh-CN" altLang="en-US" smtClean="0"/>
-              <a:t>2020/8/30</a:t>
+              <a:t>2020/9/12</a:t>
             </a:fld>
             <a:endParaRPr lang="zh-CN" altLang="en-US"/>
           </a:p>
@@ -3509,6 +3509,36 @@
           <a:chExt cx="0" cy="0"/>
         </a:xfrm>
       </p:grpSpPr>
+      <p:pic>
+        <p:nvPicPr>
+          <p:cNvPr id="3" name="Picture 2"/>
+          <p:cNvPicPr>
+            <a:picLocks noChangeAspect="1"/>
+          </p:cNvPicPr>
+          <p:nvPr/>
+        </p:nvPicPr>
+        <p:blipFill>
+          <a:blip r:embed="rId3">
+            <a:extLst>
+              <a:ext uri="{28A0092B-C50C-407E-A947-70E740481C1C}">
+                <a14:useLocalDpi xmlns:a14="http://schemas.microsoft.com/office/drawing/2010/main" val="0"/>
+              </a:ext>
+            </a:extLst>
+          </a:blip>
+          <a:stretch>
+            <a:fillRect/>
+          </a:stretch>
+        </p:blipFill>
+        <p:spPr>
+          <a:xfrm>
+            <a:off x="3848460" y="1144253"/>
+            <a:ext cx="4765974" cy="4766241"/>
+          </a:xfrm>
+          <a:prstGeom prst="rect">
+            <a:avLst/>
+          </a:prstGeom>
+        </p:spPr>
+      </p:pic>
       <p:sp>
         <p:nvSpPr>
           <p:cNvPr id="328" name="文本框 20"/>
@@ -3517,8 +3547,8 @@
         </p:nvSpPr>
         <p:spPr>
           <a:xfrm rot="18043612">
-            <a:off x="7254432" y="605440"/>
-            <a:ext cx="1114408" cy="369332"/>
+            <a:off x="7233125" y="581867"/>
+            <a:ext cx="1229824" cy="369332"/>
           </a:xfrm>
           <a:prstGeom prst="rect">
             <a:avLst/>
@@ -3626,11 +3656,11 @@
           </a:lstStyle>
           <a:p>
             <a:r>
-              <a:rPr lang="en-US" altLang="zh-CN" dirty="0" err="1" smtClean="0">
+              <a:rPr lang="en-US" altLang="zh-CN" smtClean="0">
                 <a:latin typeface="Times New Roman" panose="02020603050405020304" pitchFamily="18" charset="0"/>
                 <a:cs typeface="Times New Roman" panose="02020603050405020304" pitchFamily="18" charset="0"/>
               </a:rPr>
-              <a:t>PianoSax</a:t>
+              <a:t>PianoSaxo</a:t>
             </a:r>
             <a:r>
               <a:rPr lang="en-US" altLang="zh-CN" dirty="0" smtClean="0">
@@ -3916,8 +3946,8 @@
         </p:nvSpPr>
         <p:spPr>
           <a:xfrm rot="20542189">
-            <a:off x="8684508" y="2427266"/>
-            <a:ext cx="2063385" cy="369332"/>
+            <a:off x="8720422" y="2524373"/>
+            <a:ext cx="1317668" cy="369332"/>
           </a:xfrm>
           <a:prstGeom prst="rect">
             <a:avLst/>
@@ -4029,12 +4059,15 @@
                 <a:latin typeface="Times New Roman" panose="02020603050405020304" pitchFamily="18" charset="0"/>
                 <a:cs typeface="Times New Roman" panose="02020603050405020304" pitchFamily="18" charset="0"/>
               </a:rPr>
-              <a:t>ItalianConversation</a:t>
+              <a:t>ItalianConv</a:t>
             </a:r>
-            <a:endParaRPr lang="en-US" altLang="zh-CN" dirty="0" smtClean="0">
-              <a:latin typeface="Times New Roman" panose="02020603050405020304" pitchFamily="18" charset="0"/>
-              <a:cs typeface="Times New Roman" panose="02020603050405020304" pitchFamily="18" charset="0"/>
-            </a:endParaRPr>
+            <a:r>
+              <a:rPr lang="en-US" altLang="zh-CN" dirty="0" smtClean="0">
+                <a:latin typeface="Times New Roman" panose="02020603050405020304" pitchFamily="18" charset="0"/>
+                <a:cs typeface="Times New Roman" panose="02020603050405020304" pitchFamily="18" charset="0"/>
+              </a:rPr>
+              <a:t>.</a:t>
+            </a:r>
           </a:p>
         </p:txBody>
       </p:sp>
@@ -4176,8 +4209,8 @@
         </p:nvSpPr>
         <p:spPr>
           <a:xfrm rot="20410001">
-            <a:off x="8622246" y="2102075"/>
-            <a:ext cx="2204450" cy="369332"/>
+            <a:off x="8621620" y="2209771"/>
+            <a:ext cx="1458733" cy="369332"/>
           </a:xfrm>
           <a:prstGeom prst="rect">
             <a:avLst/>
@@ -4289,12 +4322,15 @@
                 <a:latin typeface="Times New Roman" panose="02020603050405020304" pitchFamily="18" charset="0"/>
                 <a:cs typeface="Times New Roman" panose="02020603050405020304" pitchFamily="18" charset="0"/>
               </a:rPr>
-              <a:t>SpanishConversation</a:t>
+              <a:t>SpanishConv</a:t>
             </a:r>
-            <a:endParaRPr lang="en-US" altLang="zh-CN" dirty="0" smtClean="0">
-              <a:latin typeface="Times New Roman" panose="02020603050405020304" pitchFamily="18" charset="0"/>
-              <a:cs typeface="Times New Roman" panose="02020603050405020304" pitchFamily="18" charset="0"/>
-            </a:endParaRPr>
+            <a:r>
+              <a:rPr lang="en-US" altLang="zh-CN" dirty="0" smtClean="0">
+                <a:latin typeface="Times New Roman" panose="02020603050405020304" pitchFamily="18" charset="0"/>
+                <a:cs typeface="Times New Roman" panose="02020603050405020304" pitchFamily="18" charset="0"/>
+              </a:rPr>
+              <a:t>.</a:t>
+            </a:r>
           </a:p>
         </p:txBody>
       </p:sp>
@@ -4306,8 +4342,8 @@
         </p:nvSpPr>
         <p:spPr>
           <a:xfrm rot="20913337">
-            <a:off x="8742610" y="2793746"/>
-            <a:ext cx="1746119" cy="369332"/>
+            <a:off x="8773136" y="2819454"/>
+            <a:ext cx="1445909" cy="369332"/>
           </a:xfrm>
           <a:prstGeom prst="rect">
             <a:avLst/>
@@ -4415,12 +4451,16 @@
           </a:lstStyle>
           <a:p>
             <a:r>
-              <a:rPr lang="en-US" altLang="zh-CN" dirty="0" smtClean="0">
+              <a:rPr lang="en-US" altLang="zh-CN" smtClean="0">
                 <a:latin typeface="Times New Roman" panose="02020603050405020304" pitchFamily="18" charset="0"/>
                 <a:cs typeface="Times New Roman" panose="02020603050405020304" pitchFamily="18" charset="0"/>
               </a:rPr>
-              <a:t>PianoTeaching-1</a:t>
+              <a:t>PianoConv.-1</a:t>
             </a:r>
+            <a:endParaRPr lang="en-US" altLang="zh-CN" dirty="0" smtClean="0">
+              <a:latin typeface="Times New Roman" panose="02020603050405020304" pitchFamily="18" charset="0"/>
+              <a:cs typeface="Times New Roman" panose="02020603050405020304" pitchFamily="18" charset="0"/>
+            </a:endParaRPr>
           </a:p>
         </p:txBody>
       </p:sp>
@@ -5081,6 +5121,9 @@
             <a:avLst/>
           </a:prstGeom>
           <a:noFill/>
+          <a:ln w="19050">
+            <a:noFill/>
+          </a:ln>
         </p:spPr>
         <p:txBody>
           <a:bodyPr wrap="none" rtlCol="0">
@@ -8030,9 +8073,9 @@
           <p:nvPr/>
         </p:nvSpPr>
         <p:spPr>
-          <a:xfrm rot="19638097">
-            <a:off x="1395453" y="5427567"/>
-            <a:ext cx="2913031" cy="369332"/>
+          <a:xfrm rot="19562440">
+            <a:off x="2753295" y="5078328"/>
+            <a:ext cx="1400901" cy="369332"/>
           </a:xfrm>
           <a:prstGeom prst="rect">
             <a:avLst/>
@@ -8140,18 +8183,11 @@
           </a:lstStyle>
           <a:p>
             <a:r>
-              <a:rPr lang="en-US" altLang="zh-CN" dirty="0" err="1" smtClean="0">
+              <a:rPr lang="en-US" altLang="zh-CN" smtClean="0">
                 <a:latin typeface="Times New Roman" panose="02020603050405020304" pitchFamily="18" charset="0"/>
                 <a:cs typeface="Times New Roman" panose="02020603050405020304" pitchFamily="18" charset="0"/>
               </a:rPr>
-              <a:t>CanNotStopTheFeeling</a:t>
-            </a:r>
-            <a:r>
-              <a:rPr lang="en-US" altLang="zh-CN" dirty="0" smtClean="0">
-                <a:latin typeface="Times New Roman" panose="02020603050405020304" pitchFamily="18" charset="0"/>
-                <a:cs typeface="Times New Roman" panose="02020603050405020304" pitchFamily="18" charset="0"/>
-              </a:rPr>
-              <a:t>-Solo</a:t>
+              <a:t>CNSTF-Solo</a:t>
             </a:r>
             <a:endParaRPr lang="zh-CN" altLang="en-US" dirty="0">
               <a:latin typeface="Times New Roman" panose="02020603050405020304" pitchFamily="18" charset="0"/>
@@ -8294,8 +8330,8 @@
         </p:nvSpPr>
         <p:spPr>
           <a:xfrm rot="344786">
-            <a:off x="1995141" y="2910773"/>
-            <a:ext cx="1742785" cy="369332"/>
+            <a:off x="2287200" y="2921461"/>
+            <a:ext cx="1377300" cy="369332"/>
           </a:xfrm>
           <a:prstGeom prst="rect">
             <a:avLst/>
@@ -8403,11 +8439,11 @@
           </a:lstStyle>
           <a:p>
             <a:r>
-              <a:rPr lang="en-US" altLang="zh-CN" dirty="0" err="1" smtClean="0">
+              <a:rPr lang="en-US" altLang="zh-CN" smtClean="0">
                 <a:latin typeface="Times New Roman" panose="02020603050405020304" pitchFamily="18" charset="0"/>
                 <a:cs typeface="Times New Roman" panose="02020603050405020304" pitchFamily="18" charset="0"/>
               </a:rPr>
-              <a:t>FrenchSpeaking</a:t>
+              <a:t>FrenchMono</a:t>
             </a:r>
             <a:endParaRPr lang="zh-CN" altLang="en-US" dirty="0">
               <a:latin typeface="Times New Roman" panose="02020603050405020304" pitchFamily="18" charset="0"/>
@@ -8554,8 +8590,8 @@
         </p:nvSpPr>
         <p:spPr>
           <a:xfrm rot="18944065">
-            <a:off x="7845865" y="826993"/>
-            <a:ext cx="2397579" cy="369332"/>
+            <a:off x="8084528" y="1332590"/>
+            <a:ext cx="909993" cy="369332"/>
           </a:xfrm>
           <a:prstGeom prst="rect">
             <a:avLst/>
@@ -8663,11 +8699,11 @@
           </a:lstStyle>
           <a:p>
             <a:r>
-              <a:rPr lang="en-US" altLang="zh-CN" dirty="0" err="1" smtClean="0">
+              <a:rPr lang="en-US" altLang="zh-CN" smtClean="0">
                 <a:latin typeface="Times New Roman" panose="02020603050405020304" pitchFamily="18" charset="0"/>
                 <a:cs typeface="Times New Roman" panose="02020603050405020304" pitchFamily="18" charset="0"/>
               </a:rPr>
-              <a:t>WaitingForAnInterview</a:t>
+              <a:t>Waiting</a:t>
             </a:r>
             <a:endParaRPr lang="zh-CN" altLang="en-US" dirty="0">
               <a:latin typeface="Times New Roman" panose="02020603050405020304" pitchFamily="18" charset="0"/>
@@ -9200,8 +9236,8 @@
         </p:nvSpPr>
         <p:spPr>
           <a:xfrm rot="803190">
-            <a:off x="2157575" y="2604787"/>
-            <a:ext cx="1589153" cy="369332"/>
+            <a:off x="2549466" y="2652638"/>
+            <a:ext cx="1143390" cy="369332"/>
           </a:xfrm>
           <a:prstGeom prst="rect">
             <a:avLst/>
@@ -9309,11 +9345,11 @@
           </a:lstStyle>
           <a:p>
             <a:r>
-              <a:rPr lang="en-US" altLang="zh-CN" dirty="0" err="1" smtClean="0">
+              <a:rPr lang="en-US" altLang="zh-CN" smtClean="0">
                 <a:latin typeface="Times New Roman" panose="02020603050405020304" pitchFamily="18" charset="0"/>
                 <a:cs typeface="Times New Roman" panose="02020603050405020304" pitchFamily="18" charset="0"/>
               </a:rPr>
-              <a:t>TelephoneTech</a:t>
+              <a:t>Telephone</a:t>
             </a:r>
             <a:endParaRPr lang="en-US" altLang="zh-CN" dirty="0" smtClean="0">
               <a:latin typeface="Times New Roman" panose="02020603050405020304" pitchFamily="18" charset="0"/>
@@ -9330,8 +9366,8 @@
         </p:nvSpPr>
         <p:spPr>
           <a:xfrm rot="21175715">
-            <a:off x="1885665" y="3557936"/>
-            <a:ext cx="1787669" cy="369332"/>
+            <a:off x="2205531" y="3570767"/>
+            <a:ext cx="1479892" cy="369332"/>
           </a:xfrm>
           <a:prstGeom prst="rect">
             <a:avLst/>
@@ -9439,11 +9475,11 @@
           </a:lstStyle>
           <a:p>
             <a:r>
-              <a:rPr lang="en-US" altLang="zh-CN" dirty="0" err="1" smtClean="0">
+              <a:rPr lang="en-US" altLang="zh-CN" smtClean="0">
                 <a:latin typeface="Times New Roman" panose="02020603050405020304" pitchFamily="18" charset="0"/>
                 <a:cs typeface="Times New Roman" panose="02020603050405020304" pitchFamily="18" charset="0"/>
               </a:rPr>
-              <a:t>ChineseSpeaking</a:t>
+              <a:t>ChineseMono</a:t>
             </a:r>
             <a:endParaRPr lang="zh-CN" altLang="en-US" dirty="0">
               <a:latin typeface="Times New Roman" panose="02020603050405020304" pitchFamily="18" charset="0"/>
@@ -9723,6 +9759,9 @@
             <a:avLst/>
           </a:prstGeom>
           <a:noFill/>
+          <a:ln w="19050">
+            <a:noFill/>
+          </a:ln>
         </p:spPr>
         <p:txBody>
           <a:bodyPr wrap="none" rtlCol="0">
@@ -10484,8 +10523,8 @@
         </p:nvSpPr>
         <p:spPr>
           <a:xfrm rot="19178875">
-            <a:off x="8044563" y="1113141"/>
-            <a:ext cx="2282968" cy="369332"/>
+            <a:off x="8131674" y="1350208"/>
+            <a:ext cx="1550693" cy="369332"/>
           </a:xfrm>
           <a:prstGeom prst="rect">
             <a:avLst/>
@@ -10593,12 +10632,16 @@
           </a:lstStyle>
           <a:p>
             <a:r>
-              <a:rPr lang="en-US" altLang="zh-CN" dirty="0" smtClean="0">
+              <a:rPr lang="en-US" altLang="zh-CN" smtClean="0">
                 <a:latin typeface="Times New Roman" panose="02020603050405020304" pitchFamily="18" charset="0"/>
                 <a:cs typeface="Times New Roman" panose="02020603050405020304" pitchFamily="18" charset="0"/>
               </a:rPr>
-              <a:t>FrenchConversation-1</a:t>
+              <a:t>FrenchConv.-1</a:t>
             </a:r>
+            <a:endParaRPr lang="en-US" altLang="zh-CN" dirty="0" smtClean="0">
+              <a:latin typeface="Times New Roman" panose="02020603050405020304" pitchFamily="18" charset="0"/>
+              <a:cs typeface="Times New Roman" panose="02020603050405020304" pitchFamily="18" charset="0"/>
+            </a:endParaRPr>
           </a:p>
         </p:txBody>
       </p:sp>
@@ -10617,12 +10660,12 @@
             <a:avLst/>
           </a:prstGeom>
           <a:solidFill>
-            <a:schemeClr val="accent5">
-              <a:lumMod val="60000"/>
-              <a:lumOff val="40000"/>
+            <a:schemeClr val="accent1">
+              <a:lumMod val="20000"/>
+              <a:lumOff val="80000"/>
             </a:schemeClr>
           </a:solidFill>
-          <a:ln>
+          <a:ln w="19050">
             <a:solidFill>
               <a:schemeClr val="tx1"/>
             </a:solidFill>
@@ -10671,12 +10714,12 @@
             <a:avLst/>
           </a:prstGeom>
           <a:solidFill>
-            <a:schemeClr val="accent5">
-              <a:lumMod val="60000"/>
-              <a:lumOff val="40000"/>
+            <a:schemeClr val="accent1">
+              <a:lumMod val="20000"/>
+              <a:lumOff val="80000"/>
             </a:schemeClr>
           </a:solidFill>
-          <a:ln>
+          <a:ln w="19050">
             <a:solidFill>
               <a:schemeClr val="tx1"/>
             </a:solidFill>
@@ -10725,12 +10768,12 @@
             <a:avLst/>
           </a:prstGeom>
           <a:solidFill>
-            <a:schemeClr val="accent5">
-              <a:lumMod val="60000"/>
-              <a:lumOff val="40000"/>
+            <a:schemeClr val="accent1">
+              <a:lumMod val="20000"/>
+              <a:lumOff val="80000"/>
             </a:schemeClr>
           </a:solidFill>
-          <a:ln>
+          <a:ln w="19050">
             <a:solidFill>
               <a:schemeClr val="tx1"/>
             </a:solidFill>
@@ -10779,12 +10822,12 @@
             <a:avLst/>
           </a:prstGeom>
           <a:solidFill>
-            <a:schemeClr val="accent5">
-              <a:lumMod val="60000"/>
-              <a:lumOff val="40000"/>
+            <a:schemeClr val="accent1">
+              <a:lumMod val="20000"/>
+              <a:lumOff val="80000"/>
             </a:schemeClr>
           </a:solidFill>
-          <a:ln>
+          <a:ln w="19050">
             <a:solidFill>
               <a:schemeClr val="tx1"/>
             </a:solidFill>
@@ -10833,12 +10876,12 @@
             <a:avLst/>
           </a:prstGeom>
           <a:solidFill>
-            <a:schemeClr val="accent5">
-              <a:lumMod val="60000"/>
-              <a:lumOff val="40000"/>
+            <a:schemeClr val="accent1">
+              <a:lumMod val="20000"/>
+              <a:lumOff val="80000"/>
             </a:schemeClr>
           </a:solidFill>
-          <a:ln>
+          <a:ln w="19050">
             <a:solidFill>
               <a:schemeClr val="tx1"/>
             </a:solidFill>
@@ -10887,12 +10930,9 @@
             <a:avLst/>
           </a:prstGeom>
           <a:solidFill>
-            <a:schemeClr val="accent5">
-              <a:lumMod val="40000"/>
-              <a:lumOff val="60000"/>
-            </a:schemeClr>
+            <a:srgbClr val="B1BAFD"/>
           </a:solidFill>
-          <a:ln>
+          <a:ln w="19050">
             <a:solidFill>
               <a:schemeClr val="tx1"/>
             </a:solidFill>
@@ -10941,12 +10981,12 @@
             <a:avLst/>
           </a:prstGeom>
           <a:solidFill>
-            <a:schemeClr val="accent5">
-              <a:lumMod val="60000"/>
-              <a:lumOff val="40000"/>
+            <a:schemeClr val="accent1">
+              <a:lumMod val="20000"/>
+              <a:lumOff val="80000"/>
             </a:schemeClr>
           </a:solidFill>
-          <a:ln>
+          <a:ln w="19050">
             <a:solidFill>
               <a:schemeClr val="tx1"/>
             </a:solidFill>
@@ -10995,12 +11035,12 @@
             <a:avLst/>
           </a:prstGeom>
           <a:solidFill>
-            <a:schemeClr val="accent5">
-              <a:lumMod val="60000"/>
-              <a:lumOff val="40000"/>
+            <a:schemeClr val="accent1">
+              <a:lumMod val="20000"/>
+              <a:lumOff val="80000"/>
             </a:schemeClr>
           </a:solidFill>
-          <a:ln>
+          <a:ln w="19050">
             <a:solidFill>
               <a:schemeClr val="tx1"/>
             </a:solidFill>
@@ -11049,12 +11089,12 @@
             <a:avLst/>
           </a:prstGeom>
           <a:solidFill>
-            <a:schemeClr val="accent5">
-              <a:lumMod val="60000"/>
-              <a:lumOff val="40000"/>
+            <a:schemeClr val="accent1">
+              <a:lumMod val="20000"/>
+              <a:lumOff val="80000"/>
             </a:schemeClr>
           </a:solidFill>
-          <a:ln>
+          <a:ln w="19050">
             <a:solidFill>
               <a:schemeClr val="tx1"/>
             </a:solidFill>
@@ -11103,12 +11143,12 @@
             <a:avLst/>
           </a:prstGeom>
           <a:solidFill>
-            <a:schemeClr val="accent5">
-              <a:lumMod val="60000"/>
-              <a:lumOff val="40000"/>
+            <a:schemeClr val="accent1">
+              <a:lumMod val="20000"/>
+              <a:lumOff val="80000"/>
             </a:schemeClr>
           </a:solidFill>
-          <a:ln>
+          <a:ln w="19050">
             <a:solidFill>
               <a:schemeClr val="tx1"/>
             </a:solidFill>
@@ -11157,12 +11197,9 @@
             <a:avLst/>
           </a:prstGeom>
           <a:solidFill>
-            <a:schemeClr val="accent5">
-              <a:lumMod val="40000"/>
-              <a:lumOff val="60000"/>
-            </a:schemeClr>
+            <a:srgbClr val="B1BAFD"/>
           </a:solidFill>
-          <a:ln>
+          <a:ln w="19050">
             <a:solidFill>
               <a:schemeClr val="tx1"/>
             </a:solidFill>
@@ -11211,12 +11248,9 @@
             <a:avLst/>
           </a:prstGeom>
           <a:solidFill>
-            <a:schemeClr val="accent5">
-              <a:lumMod val="40000"/>
-              <a:lumOff val="60000"/>
-            </a:schemeClr>
+            <a:srgbClr val="B1BAFD"/>
           </a:solidFill>
-          <a:ln>
+          <a:ln w="19050">
             <a:solidFill>
               <a:schemeClr val="tx1"/>
             </a:solidFill>
@@ -11265,12 +11299,12 @@
             <a:avLst/>
           </a:prstGeom>
           <a:solidFill>
-            <a:schemeClr val="accent5">
-              <a:lumMod val="60000"/>
-              <a:lumOff val="40000"/>
+            <a:schemeClr val="accent1">
+              <a:lumMod val="20000"/>
+              <a:lumOff val="80000"/>
             </a:schemeClr>
           </a:solidFill>
-          <a:ln>
+          <a:ln w="19050">
             <a:solidFill>
               <a:schemeClr val="tx1"/>
             </a:solidFill>
@@ -11319,12 +11353,12 @@
             <a:avLst/>
           </a:prstGeom>
           <a:solidFill>
-            <a:schemeClr val="accent5">
-              <a:lumMod val="60000"/>
-              <a:lumOff val="40000"/>
+            <a:schemeClr val="accent1">
+              <a:lumMod val="20000"/>
+              <a:lumOff val="80000"/>
             </a:schemeClr>
           </a:solidFill>
-          <a:ln>
+          <a:ln w="19050">
             <a:solidFill>
               <a:schemeClr val="tx1"/>
             </a:solidFill>
@@ -11373,12 +11407,12 @@
             <a:avLst/>
           </a:prstGeom>
           <a:solidFill>
-            <a:schemeClr val="accent5">
-              <a:lumMod val="60000"/>
-              <a:lumOff val="40000"/>
+            <a:schemeClr val="accent1">
+              <a:lumMod val="20000"/>
+              <a:lumOff val="80000"/>
             </a:schemeClr>
           </a:solidFill>
-          <a:ln>
+          <a:ln w="19050">
             <a:solidFill>
               <a:schemeClr val="tx1"/>
             </a:solidFill>
@@ -11427,12 +11461,12 @@
             <a:avLst/>
           </a:prstGeom>
           <a:solidFill>
-            <a:schemeClr val="accent5">
-              <a:lumMod val="60000"/>
-              <a:lumOff val="40000"/>
+            <a:schemeClr val="accent1">
+              <a:lumMod val="20000"/>
+              <a:lumOff val="80000"/>
             </a:schemeClr>
           </a:solidFill>
-          <a:ln>
+          <a:ln w="19050">
             <a:solidFill>
               <a:schemeClr val="tx1"/>
             </a:solidFill>
@@ -11481,12 +11515,12 @@
             <a:avLst/>
           </a:prstGeom>
           <a:solidFill>
-            <a:schemeClr val="accent5">
-              <a:lumMod val="60000"/>
-              <a:lumOff val="40000"/>
+            <a:schemeClr val="accent1">
+              <a:lumMod val="20000"/>
+              <a:lumOff val="80000"/>
             </a:schemeClr>
           </a:solidFill>
-          <a:ln>
+          <a:ln w="19050">
             <a:solidFill>
               <a:schemeClr val="tx1"/>
             </a:solidFill>
@@ -11535,12 +11569,12 @@
             <a:avLst/>
           </a:prstGeom>
           <a:solidFill>
-            <a:schemeClr val="accent5">
-              <a:lumMod val="60000"/>
-              <a:lumOff val="40000"/>
+            <a:schemeClr val="accent1">
+              <a:lumMod val="20000"/>
+              <a:lumOff val="80000"/>
             </a:schemeClr>
           </a:solidFill>
-          <a:ln>
+          <a:ln w="19050">
             <a:solidFill>
               <a:schemeClr val="tx1"/>
             </a:solidFill>
@@ -11589,12 +11623,12 @@
             <a:avLst/>
           </a:prstGeom>
           <a:solidFill>
-            <a:schemeClr val="accent5">
-              <a:lumMod val="60000"/>
-              <a:lumOff val="40000"/>
+            <a:schemeClr val="accent1">
+              <a:lumMod val="20000"/>
+              <a:lumOff val="80000"/>
             </a:schemeClr>
           </a:solidFill>
-          <a:ln>
+          <a:ln w="19050">
             <a:solidFill>
               <a:schemeClr val="tx1"/>
             </a:solidFill>
@@ -11643,12 +11677,12 @@
             <a:avLst/>
           </a:prstGeom>
           <a:solidFill>
-            <a:schemeClr val="accent5">
-              <a:lumMod val="60000"/>
-              <a:lumOff val="40000"/>
+            <a:schemeClr val="accent1">
+              <a:lumMod val="20000"/>
+              <a:lumOff val="80000"/>
             </a:schemeClr>
           </a:solidFill>
-          <a:ln>
+          <a:ln w="19050">
             <a:solidFill>
               <a:schemeClr val="tx1"/>
             </a:solidFill>
@@ -11697,12 +11731,12 @@
             <a:avLst/>
           </a:prstGeom>
           <a:solidFill>
-            <a:schemeClr val="accent5">
-              <a:lumMod val="60000"/>
-              <a:lumOff val="40000"/>
+            <a:schemeClr val="accent1">
+              <a:lumMod val="20000"/>
+              <a:lumOff val="80000"/>
             </a:schemeClr>
           </a:solidFill>
-          <a:ln>
+          <a:ln w="19050">
             <a:solidFill>
               <a:schemeClr val="tx1"/>
             </a:solidFill>
@@ -11751,12 +11785,12 @@
             <a:avLst/>
           </a:prstGeom>
           <a:solidFill>
-            <a:schemeClr val="accent5">
-              <a:lumMod val="60000"/>
-              <a:lumOff val="40000"/>
+            <a:schemeClr val="accent1">
+              <a:lumMod val="20000"/>
+              <a:lumOff val="80000"/>
             </a:schemeClr>
           </a:solidFill>
-          <a:ln>
+          <a:ln w="19050">
             <a:solidFill>
               <a:schemeClr val="tx1"/>
             </a:solidFill>
@@ -11805,12 +11839,12 @@
             <a:avLst/>
           </a:prstGeom>
           <a:solidFill>
-            <a:schemeClr val="accent5">
-              <a:lumMod val="60000"/>
-              <a:lumOff val="40000"/>
+            <a:schemeClr val="accent1">
+              <a:lumMod val="20000"/>
+              <a:lumOff val="80000"/>
             </a:schemeClr>
           </a:solidFill>
-          <a:ln>
+          <a:ln w="19050">
             <a:solidFill>
               <a:schemeClr val="tx1"/>
             </a:solidFill>
@@ -11859,12 +11893,12 @@
             <a:avLst/>
           </a:prstGeom>
           <a:solidFill>
-            <a:schemeClr val="accent5">
-              <a:lumMod val="60000"/>
-              <a:lumOff val="40000"/>
+            <a:schemeClr val="accent1">
+              <a:lumMod val="20000"/>
+              <a:lumOff val="80000"/>
             </a:schemeClr>
           </a:solidFill>
-          <a:ln>
+          <a:ln w="19050">
             <a:solidFill>
               <a:schemeClr val="tx1"/>
             </a:solidFill>
@@ -11913,11 +11947,9 @@
             <a:avLst/>
           </a:prstGeom>
           <a:solidFill>
-            <a:schemeClr val="accent5">
-              <a:lumMod val="75000"/>
-            </a:schemeClr>
+            <a:srgbClr val="713298"/>
           </a:solidFill>
-          <a:ln>
+          <a:ln w="19050">
             <a:solidFill>
               <a:schemeClr val="tx1"/>
             </a:solidFill>
@@ -11966,12 +11998,12 @@
             <a:avLst/>
           </a:prstGeom>
           <a:solidFill>
-            <a:schemeClr val="accent5">
-              <a:lumMod val="60000"/>
-              <a:lumOff val="40000"/>
+            <a:schemeClr val="accent1">
+              <a:lumMod val="20000"/>
+              <a:lumOff val="80000"/>
             </a:schemeClr>
           </a:solidFill>
-          <a:ln>
+          <a:ln w="19050">
             <a:solidFill>
               <a:schemeClr val="tx1"/>
             </a:solidFill>
@@ -12020,11 +12052,12 @@
             <a:avLst/>
           </a:prstGeom>
           <a:solidFill>
-            <a:schemeClr val="accent5">
-              <a:lumMod val="75000"/>
+            <a:schemeClr val="accent1">
+              <a:lumMod val="20000"/>
+              <a:lumOff val="80000"/>
             </a:schemeClr>
           </a:solidFill>
-          <a:ln>
+          <a:ln w="19050">
             <a:solidFill>
               <a:schemeClr val="tx1"/>
             </a:solidFill>
@@ -12073,11 +12106,9 @@
             <a:avLst/>
           </a:prstGeom>
           <a:solidFill>
-            <a:schemeClr val="accent5">
-              <a:lumMod val="75000"/>
-            </a:schemeClr>
+            <a:srgbClr val="713298"/>
           </a:solidFill>
-          <a:ln>
+          <a:ln w="19050">
             <a:solidFill>
               <a:schemeClr val="tx1"/>
             </a:solidFill>
@@ -12126,12 +12157,12 @@
             <a:avLst/>
           </a:prstGeom>
           <a:solidFill>
-            <a:schemeClr val="accent5">
-              <a:lumMod val="60000"/>
-              <a:lumOff val="40000"/>
+            <a:schemeClr val="accent1">
+              <a:lumMod val="20000"/>
+              <a:lumOff val="80000"/>
             </a:schemeClr>
           </a:solidFill>
-          <a:ln>
+          <a:ln w="19050">
             <a:solidFill>
               <a:schemeClr val="tx1"/>
             </a:solidFill>
@@ -12180,11 +12211,9 @@
             <a:avLst/>
           </a:prstGeom>
           <a:solidFill>
-            <a:schemeClr val="accent5">
-              <a:lumMod val="75000"/>
-            </a:schemeClr>
+            <a:srgbClr val="713298"/>
           </a:solidFill>
-          <a:ln>
+          <a:ln w="19050">
             <a:solidFill>
               <a:schemeClr val="tx1"/>
             </a:solidFill>
@@ -12233,11 +12262,9 @@
             <a:avLst/>
           </a:prstGeom>
           <a:solidFill>
-            <a:schemeClr val="accent5">
-              <a:lumMod val="75000"/>
-            </a:schemeClr>
+            <a:srgbClr val="713298"/>
           </a:solidFill>
-          <a:ln>
+          <a:ln w="19050">
             <a:solidFill>
               <a:schemeClr val="tx1"/>
             </a:solidFill>
@@ -12286,11 +12313,9 @@
             <a:avLst/>
           </a:prstGeom>
           <a:solidFill>
-            <a:schemeClr val="accent5">
-              <a:lumMod val="75000"/>
-            </a:schemeClr>
+            <a:srgbClr val="713298"/>
           </a:solidFill>
-          <a:ln>
+          <a:ln w="19050">
             <a:solidFill>
               <a:schemeClr val="tx1"/>
             </a:solidFill>
@@ -12339,11 +12364,9 @@
             <a:avLst/>
           </a:prstGeom>
           <a:solidFill>
-            <a:schemeClr val="accent5">
-              <a:lumMod val="50000"/>
-            </a:schemeClr>
+            <a:srgbClr val="0A15FF"/>
           </a:solidFill>
-          <a:ln>
+          <a:ln w="19050">
             <a:solidFill>
               <a:schemeClr val="tx1"/>
             </a:solidFill>
@@ -12392,11 +12415,9 @@
             <a:avLst/>
           </a:prstGeom>
           <a:solidFill>
-            <a:schemeClr val="accent5">
-              <a:lumMod val="75000"/>
-            </a:schemeClr>
+            <a:srgbClr val="713298"/>
           </a:solidFill>
-          <a:ln>
+          <a:ln w="19050">
             <a:solidFill>
               <a:schemeClr val="tx1"/>
             </a:solidFill>
@@ -12445,11 +12466,9 @@
             <a:avLst/>
           </a:prstGeom>
           <a:solidFill>
-            <a:schemeClr val="accent5">
-              <a:lumMod val="75000"/>
-            </a:schemeClr>
+            <a:srgbClr val="713298"/>
           </a:solidFill>
-          <a:ln>
+          <a:ln w="19050">
             <a:solidFill>
               <a:schemeClr val="tx1"/>
             </a:solidFill>
@@ -12491,18 +12510,16 @@
         </p:nvSpPr>
         <p:spPr>
           <a:xfrm>
-            <a:off x="4965878" y="5688709"/>
+            <a:off x="4922815" y="5689113"/>
             <a:ext cx="172744" cy="172744"/>
           </a:xfrm>
           <a:prstGeom prst="ellipse">
             <a:avLst/>
           </a:prstGeom>
           <a:solidFill>
-            <a:schemeClr val="accent5">
-              <a:lumMod val="75000"/>
-            </a:schemeClr>
+            <a:srgbClr val="713298"/>
           </a:solidFill>
-          <a:ln>
+          <a:ln w="19050">
             <a:solidFill>
               <a:schemeClr val="tx1"/>
             </a:solidFill>
@@ -12544,18 +12561,16 @@
         </p:nvSpPr>
         <p:spPr>
           <a:xfrm>
-            <a:off x="5325398" y="5841713"/>
+            <a:off x="5338826" y="5852627"/>
             <a:ext cx="172744" cy="172744"/>
           </a:xfrm>
           <a:prstGeom prst="ellipse">
             <a:avLst/>
           </a:prstGeom>
           <a:solidFill>
-            <a:schemeClr val="accent5">
-              <a:lumMod val="75000"/>
-            </a:schemeClr>
+            <a:srgbClr val="713298"/>
           </a:solidFill>
-          <a:ln>
+          <a:ln w="19050">
             <a:solidFill>
               <a:schemeClr val="tx1"/>
             </a:solidFill>
@@ -12604,11 +12619,9 @@
             <a:avLst/>
           </a:prstGeom>
           <a:solidFill>
-            <a:schemeClr val="accent5">
-              <a:lumMod val="75000"/>
-            </a:schemeClr>
+            <a:srgbClr val="713298"/>
           </a:solidFill>
-          <a:ln>
+          <a:ln w="19050">
             <a:solidFill>
               <a:schemeClr val="tx1"/>
             </a:solidFill>
@@ -12657,11 +12670,9 @@
             <a:avLst/>
           </a:prstGeom>
           <a:solidFill>
-            <a:schemeClr val="accent5">
-              <a:lumMod val="50000"/>
-            </a:schemeClr>
+            <a:srgbClr val="0A15FF"/>
           </a:solidFill>
-          <a:ln>
+          <a:ln w="19050">
             <a:solidFill>
               <a:schemeClr val="tx1"/>
             </a:solidFill>
@@ -12710,11 +12721,9 @@
             <a:avLst/>
           </a:prstGeom>
           <a:solidFill>
-            <a:schemeClr val="accent5">
-              <a:lumMod val="50000"/>
-            </a:schemeClr>
+            <a:srgbClr val="0A15FF"/>
           </a:solidFill>
-          <a:ln>
+          <a:ln w="19050">
             <a:solidFill>
               <a:schemeClr val="tx1"/>
             </a:solidFill>
@@ -12763,11 +12772,9 @@
             <a:avLst/>
           </a:prstGeom>
           <a:solidFill>
-            <a:schemeClr val="accent5">
-              <a:lumMod val="50000"/>
-            </a:schemeClr>
+            <a:srgbClr val="0A15FF"/>
           </a:solidFill>
-          <a:ln>
+          <a:ln w="19050">
             <a:solidFill>
               <a:schemeClr val="tx1"/>
             </a:solidFill>
@@ -12816,11 +12823,9 @@
             <a:avLst/>
           </a:prstGeom>
           <a:solidFill>
-            <a:schemeClr val="accent5">
-              <a:lumMod val="50000"/>
-            </a:schemeClr>
+            <a:srgbClr val="0A15FF"/>
           </a:solidFill>
-          <a:ln>
+          <a:ln w="19050">
             <a:solidFill>
               <a:schemeClr val="tx1"/>
             </a:solidFill>
@@ -12869,11 +12874,9 @@
             <a:avLst/>
           </a:prstGeom>
           <a:solidFill>
-            <a:schemeClr val="accent5">
-              <a:lumMod val="50000"/>
-            </a:schemeClr>
+            <a:srgbClr val="0A15FF"/>
           </a:solidFill>
-          <a:ln>
+          <a:ln w="19050">
             <a:solidFill>
               <a:schemeClr val="tx1"/>
             </a:solidFill>
@@ -12922,11 +12925,9 @@
             <a:avLst/>
           </a:prstGeom>
           <a:solidFill>
-            <a:schemeClr val="accent5">
-              <a:lumMod val="50000"/>
-            </a:schemeClr>
+            <a:srgbClr val="0A15FF"/>
           </a:solidFill>
-          <a:ln>
+          <a:ln w="19050">
             <a:solidFill>
               <a:schemeClr val="tx1"/>
             </a:solidFill>
@@ -13074,11 +13075,9 @@
             <a:avLst/>
           </a:prstGeom>
           <a:solidFill>
-            <a:schemeClr val="accent5">
-              <a:lumMod val="50000"/>
-            </a:schemeClr>
+            <a:srgbClr val="0A15FF"/>
           </a:solidFill>
-          <a:ln>
+          <a:ln w="19050">
             <a:solidFill>
               <a:schemeClr val="tx1"/>
             </a:solidFill>
@@ -13226,12 +13225,9 @@
             <a:avLst/>
           </a:prstGeom>
           <a:solidFill>
-            <a:schemeClr val="accent5">
-              <a:lumMod val="20000"/>
-              <a:lumOff val="80000"/>
-            </a:schemeClr>
+            <a:srgbClr val="8185FA"/>
           </a:solidFill>
-          <a:ln>
+          <a:ln w="19050">
             <a:solidFill>
               <a:schemeClr val="tx1"/>
             </a:solidFill>
@@ -13379,12 +13375,9 @@
             <a:avLst/>
           </a:prstGeom>
           <a:solidFill>
-            <a:schemeClr val="accent5">
-              <a:lumMod val="20000"/>
-              <a:lumOff val="80000"/>
-            </a:schemeClr>
+            <a:srgbClr val="8185FA"/>
           </a:solidFill>
-          <a:ln>
+          <a:ln w="19050">
             <a:solidFill>
               <a:schemeClr val="tx1"/>
             </a:solidFill>
@@ -13535,11 +13528,9 @@
             <a:avLst/>
           </a:prstGeom>
           <a:solidFill>
-            <a:schemeClr val="accent5">
-              <a:lumMod val="50000"/>
-            </a:schemeClr>
+            <a:srgbClr val="0A15FF"/>
           </a:solidFill>
-          <a:ln>
+          <a:ln w="19050">
             <a:solidFill>
               <a:schemeClr val="tx1"/>
             </a:solidFill>
@@ -13687,12 +13678,9 @@
             <a:avLst/>
           </a:prstGeom>
           <a:solidFill>
-            <a:schemeClr val="accent5">
-              <a:lumMod val="20000"/>
-              <a:lumOff val="80000"/>
-            </a:schemeClr>
+            <a:srgbClr val="8185FA"/>
           </a:solidFill>
-          <a:ln>
+          <a:ln w="19050">
             <a:solidFill>
               <a:schemeClr val="tx1"/>
             </a:solidFill>
@@ -13840,12 +13828,9 @@
             <a:avLst/>
           </a:prstGeom>
           <a:solidFill>
-            <a:schemeClr val="accent5">
-              <a:lumMod val="20000"/>
-              <a:lumOff val="80000"/>
-            </a:schemeClr>
+            <a:srgbClr val="8185FA"/>
           </a:solidFill>
-          <a:ln>
+          <a:ln w="19050">
             <a:solidFill>
               <a:schemeClr val="tx1"/>
             </a:solidFill>
@@ -13986,19 +13971,16 @@
         </p:nvSpPr>
         <p:spPr>
           <a:xfrm>
-            <a:off x="3708865" y="2661669"/>
+            <a:off x="3693852" y="2654002"/>
             <a:ext cx="184353" cy="194102"/>
           </a:xfrm>
           <a:prstGeom prst="ellipse">
             <a:avLst/>
           </a:prstGeom>
           <a:solidFill>
-            <a:schemeClr val="accent5">
-              <a:lumMod val="20000"/>
-              <a:lumOff val="80000"/>
-            </a:schemeClr>
+            <a:srgbClr val="8185FA"/>
           </a:solidFill>
-          <a:ln>
+          <a:ln w="19050">
             <a:solidFill>
               <a:schemeClr val="tx1"/>
             </a:solidFill>
@@ -14146,12 +14128,9 @@
             <a:avLst/>
           </a:prstGeom>
           <a:solidFill>
-            <a:schemeClr val="accent5">
-              <a:lumMod val="20000"/>
-              <a:lumOff val="80000"/>
-            </a:schemeClr>
+            <a:srgbClr val="8185FA"/>
           </a:solidFill>
-          <a:ln>
+          <a:ln w="19050">
             <a:solidFill>
               <a:schemeClr val="tx1"/>
             </a:solidFill>
@@ -14292,19 +14271,16 @@
         </p:nvSpPr>
         <p:spPr>
           <a:xfrm>
-            <a:off x="3615007" y="3354830"/>
+            <a:off x="3580987" y="3355019"/>
             <a:ext cx="172744" cy="172744"/>
           </a:xfrm>
           <a:prstGeom prst="ellipse">
             <a:avLst/>
           </a:prstGeom>
           <a:solidFill>
-            <a:schemeClr val="accent5">
-              <a:lumMod val="20000"/>
-              <a:lumOff val="80000"/>
-            </a:schemeClr>
+            <a:srgbClr val="8185FA"/>
           </a:solidFill>
-          <a:ln>
+          <a:ln w="19050">
             <a:solidFill>
               <a:schemeClr val="tx1"/>
             </a:solidFill>
@@ -14452,12 +14428,9 @@
             <a:avLst/>
           </a:prstGeom>
           <a:solidFill>
-            <a:schemeClr val="accent5">
-              <a:lumMod val="20000"/>
-              <a:lumOff val="80000"/>
-            </a:schemeClr>
+            <a:srgbClr val="8185FA"/>
           </a:solidFill>
-          <a:ln>
+          <a:ln w="19050">
             <a:solidFill>
               <a:schemeClr val="tx1"/>
             </a:solidFill>
@@ -14598,19 +14571,16 @@
         </p:nvSpPr>
         <p:spPr>
           <a:xfrm>
-            <a:off x="3880626" y="2289727"/>
+            <a:off x="3858441" y="2281947"/>
             <a:ext cx="172744" cy="172744"/>
           </a:xfrm>
           <a:prstGeom prst="ellipse">
             <a:avLst/>
           </a:prstGeom>
           <a:solidFill>
-            <a:schemeClr val="accent5">
-              <a:lumMod val="20000"/>
-              <a:lumOff val="80000"/>
-            </a:schemeClr>
+            <a:srgbClr val="8185FA"/>
           </a:solidFill>
-          <a:ln>
+          <a:ln w="19050">
             <a:solidFill>
               <a:schemeClr val="tx1"/>
             </a:solidFill>
@@ -14758,12 +14728,9 @@
             <a:avLst/>
           </a:prstGeom>
           <a:solidFill>
-            <a:schemeClr val="accent5">
-              <a:lumMod val="20000"/>
-              <a:lumOff val="80000"/>
-            </a:schemeClr>
+            <a:srgbClr val="8185FA"/>
           </a:solidFill>
-          <a:ln>
+          <a:ln w="19050">
             <a:solidFill>
               <a:schemeClr val="tx1"/>
             </a:solidFill>
@@ -14911,12 +14878,9 @@
             <a:avLst/>
           </a:prstGeom>
           <a:solidFill>
-            <a:schemeClr val="accent5">
-              <a:lumMod val="20000"/>
-              <a:lumOff val="80000"/>
-            </a:schemeClr>
+            <a:srgbClr val="8185FA"/>
           </a:solidFill>
-          <a:ln>
+          <a:ln w="19050">
             <a:solidFill>
               <a:schemeClr val="tx1"/>
             </a:solidFill>
@@ -15064,12 +15028,9 @@
             <a:avLst/>
           </a:prstGeom>
           <a:solidFill>
-            <a:schemeClr val="accent5">
-              <a:lumMod val="20000"/>
-              <a:lumOff val="80000"/>
-            </a:schemeClr>
+            <a:srgbClr val="8185FA"/>
           </a:solidFill>
-          <a:ln>
+          <a:ln w="19050">
             <a:solidFill>
               <a:schemeClr val="tx1"/>
             </a:solidFill>
@@ -15217,12 +15178,9 @@
             <a:avLst/>
           </a:prstGeom>
           <a:solidFill>
-            <a:schemeClr val="accent5">
-              <a:lumMod val="20000"/>
-              <a:lumOff val="80000"/>
-            </a:schemeClr>
+            <a:srgbClr val="8185FA"/>
           </a:solidFill>
-          <a:ln>
+          <a:ln w="19050">
             <a:solidFill>
               <a:schemeClr val="tx1"/>
             </a:solidFill>
@@ -15370,12 +15328,9 @@
             <a:avLst/>
           </a:prstGeom>
           <a:solidFill>
-            <a:schemeClr val="accent5">
-              <a:lumMod val="20000"/>
-              <a:lumOff val="80000"/>
-            </a:schemeClr>
+            <a:srgbClr val="8185FA"/>
           </a:solidFill>
-          <a:ln>
+          <a:ln w="19050">
             <a:solidFill>
               <a:schemeClr val="tx1"/>
             </a:solidFill>
@@ -15424,12 +15379,9 @@
             <a:avLst/>
           </a:prstGeom>
           <a:solidFill>
-            <a:schemeClr val="accent5">
-              <a:lumMod val="40000"/>
-              <a:lumOff val="60000"/>
-            </a:schemeClr>
+            <a:srgbClr val="B1BAFD"/>
           </a:solidFill>
-          <a:ln>
+          <a:ln w="19050">
             <a:solidFill>
               <a:schemeClr val="tx1"/>
             </a:solidFill>
@@ -15577,12 +15529,9 @@
             <a:avLst/>
           </a:prstGeom>
           <a:solidFill>
-            <a:schemeClr val="accent5">
-              <a:lumMod val="40000"/>
-              <a:lumOff val="60000"/>
-            </a:schemeClr>
+            <a:srgbClr val="B1BAFD"/>
           </a:solidFill>
-          <a:ln>
+          <a:ln w="19050">
             <a:solidFill>
               <a:schemeClr val="tx1"/>
             </a:solidFill>
@@ -15631,12 +15580,9 @@
             <a:avLst/>
           </a:prstGeom>
           <a:solidFill>
-            <a:schemeClr val="accent5">
-              <a:lumMod val="20000"/>
-              <a:lumOff val="80000"/>
-            </a:schemeClr>
+            <a:srgbClr val="8185FA"/>
           </a:solidFill>
-          <a:ln>
+          <a:ln w="19050">
             <a:solidFill>
               <a:schemeClr val="tx1"/>
             </a:solidFill>
@@ -15784,12 +15730,9 @@
             <a:avLst/>
           </a:prstGeom>
           <a:solidFill>
-            <a:schemeClr val="accent5">
-              <a:lumMod val="40000"/>
-              <a:lumOff val="60000"/>
-            </a:schemeClr>
+            <a:srgbClr val="B1BAFD"/>
           </a:solidFill>
-          <a:ln>
+          <a:ln w="19050">
             <a:solidFill>
               <a:schemeClr val="tx1"/>
             </a:solidFill>
@@ -15838,12 +15781,9 @@
             <a:avLst/>
           </a:prstGeom>
           <a:solidFill>
-            <a:schemeClr val="accent5">
-              <a:lumMod val="20000"/>
-              <a:lumOff val="80000"/>
-            </a:schemeClr>
+            <a:srgbClr val="8185FA"/>
           </a:solidFill>
-          <a:ln>
+          <a:ln w="19050">
             <a:solidFill>
               <a:schemeClr val="tx1"/>
             </a:solidFill>
@@ -15991,12 +15931,9 @@
             <a:avLst/>
           </a:prstGeom>
           <a:solidFill>
-            <a:schemeClr val="accent5">
-              <a:lumMod val="40000"/>
-              <a:lumOff val="60000"/>
-            </a:schemeClr>
+            <a:srgbClr val="B1BAFD"/>
           </a:solidFill>
-          <a:ln>
+          <a:ln w="19050">
             <a:solidFill>
               <a:schemeClr val="tx1"/>
             </a:solidFill>
@@ -16045,12 +15982,9 @@
             <a:avLst/>
           </a:prstGeom>
           <a:solidFill>
-            <a:schemeClr val="accent5">
-              <a:lumMod val="40000"/>
-              <a:lumOff val="60000"/>
-            </a:schemeClr>
+            <a:srgbClr val="B1BAFD"/>
           </a:solidFill>
-          <a:ln>
+          <a:ln w="19050">
             <a:solidFill>
               <a:schemeClr val="tx1"/>
             </a:solidFill>
@@ -16092,19 +16026,16 @@
         </p:nvSpPr>
         <p:spPr>
           <a:xfrm>
-            <a:off x="5388947" y="1022264"/>
+            <a:off x="5360861" y="1021414"/>
             <a:ext cx="172744" cy="172744"/>
           </a:xfrm>
           <a:prstGeom prst="ellipse">
             <a:avLst/>
           </a:prstGeom>
           <a:solidFill>
-            <a:schemeClr val="accent5">
-              <a:lumMod val="20000"/>
-              <a:lumOff val="80000"/>
-            </a:schemeClr>
+            <a:srgbClr val="8185FA"/>
           </a:solidFill>
-          <a:ln>
+          <a:ln w="19050">
             <a:solidFill>
               <a:schemeClr val="tx1"/>
             </a:solidFill>
@@ -16344,12 +16275,9 @@
             <a:avLst/>
           </a:prstGeom>
           <a:solidFill>
-            <a:schemeClr val="accent5">
-              <a:lumMod val="40000"/>
-              <a:lumOff val="60000"/>
-            </a:schemeClr>
+            <a:srgbClr val="B1BAFD"/>
           </a:solidFill>
-          <a:ln>
+          <a:ln w="19050">
             <a:solidFill>
               <a:schemeClr val="tx1"/>
             </a:solidFill>
@@ -16620,8 +16548,8 @@
         </p:nvSpPr>
         <p:spPr>
           <a:xfrm rot="19877583">
-            <a:off x="1126761" y="5177787"/>
-            <a:ext cx="2980303" cy="369332"/>
+            <a:off x="2500852" y="4854520"/>
+            <a:ext cx="1505540" cy="369332"/>
           </a:xfrm>
           <a:prstGeom prst="rect">
             <a:avLst/>
@@ -16729,18 +16657,11 @@
           </a:lstStyle>
           <a:p>
             <a:r>
-              <a:rPr lang="en-US" altLang="zh-CN" dirty="0" err="1" smtClean="0">
+              <a:rPr lang="en-US" altLang="zh-CN" smtClean="0">
                 <a:latin typeface="Times New Roman" panose="02020603050405020304" pitchFamily="18" charset="0"/>
                 <a:cs typeface="Times New Roman" panose="02020603050405020304" pitchFamily="18" charset="0"/>
               </a:rPr>
-              <a:t>CanNotStopTheFeeling</a:t>
-            </a:r>
-            <a:r>
-              <a:rPr lang="en-US" altLang="zh-CN" dirty="0" smtClean="0">
-                <a:latin typeface="Times New Roman" panose="02020603050405020304" pitchFamily="18" charset="0"/>
-                <a:cs typeface="Times New Roman" panose="02020603050405020304" pitchFamily="18" charset="0"/>
-              </a:rPr>
-              <a:t>-Choir</a:t>
+              <a:t>CNSTF-Choir</a:t>
             </a:r>
             <a:endParaRPr lang="zh-CN" altLang="en-US" dirty="0">
               <a:latin typeface="Times New Roman" panose="02020603050405020304" pitchFamily="18" charset="0"/>
@@ -16887,8 +16808,8 @@
         </p:nvSpPr>
         <p:spPr>
           <a:xfrm rot="19633720">
-            <a:off x="8255750" y="1447769"/>
-            <a:ext cx="2282968" cy="369332"/>
+            <a:off x="8311479" y="1637300"/>
+            <a:ext cx="1582673" cy="369332"/>
           </a:xfrm>
           <a:prstGeom prst="rect">
             <a:avLst/>
@@ -17000,7 +16921,21 @@
                 <a:latin typeface="Times New Roman" panose="02020603050405020304" pitchFamily="18" charset="0"/>
                 <a:cs typeface="Times New Roman" panose="02020603050405020304" pitchFamily="18" charset="0"/>
               </a:rPr>
-              <a:t>FrenchConversation-2</a:t>
+              <a:t>FrenchConv</a:t>
+            </a:r>
+            <a:r>
+              <a:rPr lang="en-US" altLang="zh-CN" dirty="0">
+                <a:latin typeface="Times New Roman" panose="02020603050405020304" pitchFamily="18" charset="0"/>
+                <a:cs typeface="Times New Roman" panose="02020603050405020304" pitchFamily="18" charset="0"/>
+              </a:rPr>
+              <a:t>.</a:t>
+            </a:r>
+            <a:r>
+              <a:rPr lang="en-US" altLang="zh-CN" dirty="0" smtClean="0">
+                <a:latin typeface="Times New Roman" panose="02020603050405020304" pitchFamily="18" charset="0"/>
+                <a:cs typeface="Times New Roman" panose="02020603050405020304" pitchFamily="18" charset="0"/>
+              </a:rPr>
+              <a:t>-2</a:t>
             </a:r>
           </a:p>
         </p:txBody>
@@ -17013,8 +16948,8 @@
         </p:nvSpPr>
         <p:spPr>
           <a:xfrm rot="19865047">
-            <a:off x="8452288" y="1707284"/>
-            <a:ext cx="2282968" cy="369332"/>
+            <a:off x="8497549" y="1882823"/>
+            <a:ext cx="1556886" cy="369332"/>
           </a:xfrm>
           <a:prstGeom prst="rect">
             <a:avLst/>
@@ -17122,12 +17057,30 @@
           </a:lstStyle>
           <a:p>
             <a:r>
-              <a:rPr lang="en-US" altLang="zh-CN" dirty="0" smtClean="0">
+              <a:rPr lang="en-US" altLang="zh-CN" smtClean="0">
                 <a:latin typeface="Times New Roman" panose="02020603050405020304" pitchFamily="18" charset="0"/>
                 <a:cs typeface="Times New Roman" panose="02020603050405020304" pitchFamily="18" charset="0"/>
               </a:rPr>
-              <a:t>FrenchConversation-3</a:t>
+              <a:t>FrenchConv</a:t>
             </a:r>
+            <a:r>
+              <a:rPr lang="en-US" altLang="zh-CN">
+                <a:latin typeface="Times New Roman" panose="02020603050405020304" pitchFamily="18" charset="0"/>
+                <a:cs typeface="Times New Roman" panose="02020603050405020304" pitchFamily="18" charset="0"/>
+              </a:rPr>
+              <a:t>.</a:t>
+            </a:r>
+            <a:r>
+              <a:rPr lang="en-US" altLang="zh-CN" smtClean="0">
+                <a:latin typeface="Times New Roman" panose="02020603050405020304" pitchFamily="18" charset="0"/>
+                <a:cs typeface="Times New Roman" panose="02020603050405020304" pitchFamily="18" charset="0"/>
+              </a:rPr>
+              <a:t>-3</a:t>
+            </a:r>
+            <a:endParaRPr lang="en-US" altLang="zh-CN" dirty="0" smtClean="0">
+              <a:latin typeface="Times New Roman" panose="02020603050405020304" pitchFamily="18" charset="0"/>
+              <a:cs typeface="Times New Roman" panose="02020603050405020304" pitchFamily="18" charset="0"/>
+            </a:endParaRPr>
           </a:p>
         </p:txBody>
       </p:sp>
@@ -17139,8 +17092,8 @@
         </p:nvSpPr>
         <p:spPr>
           <a:xfrm rot="21224029">
-            <a:off x="8780654" y="3129063"/>
-            <a:ext cx="1746119" cy="369332"/>
+            <a:off x="8820448" y="3131130"/>
+            <a:ext cx="1460505" cy="369332"/>
           </a:xfrm>
           <a:prstGeom prst="rect">
             <a:avLst/>
@@ -17148,7 +17101,7 @@
           <a:noFill/>
         </p:spPr>
         <p:txBody>
-          <a:bodyPr wrap="none" rtlCol="0">
+          <a:bodyPr wrap="square" rtlCol="0">
             <a:spAutoFit/>
           </a:bodyPr>
           <a:lstStyle>
@@ -17248,12 +17201,16 @@
           </a:lstStyle>
           <a:p>
             <a:r>
-              <a:rPr lang="en-US" altLang="zh-CN" dirty="0" smtClean="0">
+              <a:rPr lang="en-US" altLang="zh-CN" smtClean="0">
                 <a:latin typeface="Times New Roman" panose="02020603050405020304" pitchFamily="18" charset="0"/>
                 <a:cs typeface="Times New Roman" panose="02020603050405020304" pitchFamily="18" charset="0"/>
               </a:rPr>
-              <a:t>PianoTeaching-2</a:t>
+              <a:t>PianoConv.-2</a:t>
             </a:r>
+            <a:endParaRPr lang="en-US" altLang="zh-CN" dirty="0" smtClean="0">
+              <a:latin typeface="Times New Roman" panose="02020603050405020304" pitchFamily="18" charset="0"/>
+              <a:cs typeface="Times New Roman" panose="02020603050405020304" pitchFamily="18" charset="0"/>
+            </a:endParaRPr>
           </a:p>
         </p:txBody>
       </p:sp>
@@ -17645,44 +17602,6 @@
       </p:sp>
       <p:sp>
         <p:nvSpPr>
-          <p:cNvPr id="210" name="文本框 483"/>
-          <p:cNvSpPr txBox="1"/>
-          <p:nvPr/>
-        </p:nvSpPr>
-        <p:spPr>
-          <a:xfrm rot="215918">
-            <a:off x="6864627" y="3500056"/>
-            <a:ext cx="1645445" cy="369332"/>
-          </a:xfrm>
-          <a:prstGeom prst="rect">
-            <a:avLst/>
-          </a:prstGeom>
-          <a:noFill/>
-        </p:spPr>
-        <p:txBody>
-          <a:bodyPr wrap="square" rtlCol="0">
-            <a:spAutoFit/>
-          </a:bodyPr>
-          <a:lstStyle/>
-          <a:p>
-            <a:pPr algn="ctr"/>
-            <a:r>
-              <a:rPr lang="en-US" altLang="zh-CN" b="1" dirty="0" smtClean="0">
-                <a:solidFill>
-                  <a:schemeClr val="accent5">
-                    <a:lumMod val="50000"/>
-                  </a:schemeClr>
-                </a:solidFill>
-                <a:latin typeface="Times New Roman" panose="02020603050405020304" pitchFamily="18" charset="0"/>
-                <a:cs typeface="Times New Roman" panose="02020603050405020304" pitchFamily="18" charset="0"/>
-              </a:rPr>
-              <a:t>Conversation</a:t>
-            </a:r>
-          </a:p>
-        </p:txBody>
-      </p:sp>
-      <p:sp>
-        <p:nvSpPr>
           <p:cNvPr id="167" name="文本框 20"/>
           <p:cNvSpPr txBox="1"/>
           <p:nvPr/>
@@ -17928,11 +17847,11 @@
           </a:lstStyle>
           <a:p>
             <a:r>
-              <a:rPr lang="en-US" altLang="zh-CN" dirty="0" err="1">
+              <a:rPr lang="en-US" altLang="zh-CN" dirty="0" smtClean="0">
                 <a:latin typeface="Times New Roman" panose="02020603050405020304" pitchFamily="18" charset="0"/>
                 <a:cs typeface="Times New Roman" panose="02020603050405020304" pitchFamily="18" charset="0"/>
               </a:rPr>
-              <a:t>BadmintonRackets</a:t>
+              <a:t>Badminton-2</a:t>
             </a:r>
             <a:endParaRPr lang="zh-CN" altLang="en-US" dirty="0">
               <a:latin typeface="Times New Roman" panose="02020603050405020304" pitchFamily="18" charset="0"/>
@@ -17941,369 +17860,6 @@
           </a:p>
         </p:txBody>
       </p:sp>
-      <p:sp>
-        <p:nvSpPr>
-          <p:cNvPr id="169" name="文本框 483"/>
-          <p:cNvSpPr txBox="1"/>
-          <p:nvPr/>
-        </p:nvSpPr>
-        <p:spPr>
-          <a:xfrm rot="16943389">
-            <a:off x="5645916" y="2004901"/>
-            <a:ext cx="1645445" cy="369332"/>
-          </a:xfrm>
-          <a:prstGeom prst="rect">
-            <a:avLst/>
-          </a:prstGeom>
-          <a:noFill/>
-        </p:spPr>
-        <p:txBody>
-          <a:bodyPr wrap="square" rtlCol="0">
-            <a:spAutoFit/>
-          </a:bodyPr>
-          <a:lstStyle/>
-          <a:p>
-            <a:pPr algn="ctr"/>
-            <a:r>
-              <a:rPr lang="en-US" altLang="zh-CN" b="1" dirty="0" smtClean="0">
-                <a:solidFill>
-                  <a:schemeClr val="accent5">
-                    <a:lumMod val="50000"/>
-                  </a:schemeClr>
-                </a:solidFill>
-                <a:latin typeface="Times New Roman" panose="02020603050405020304" pitchFamily="18" charset="0"/>
-                <a:cs typeface="Times New Roman" panose="02020603050405020304" pitchFamily="18" charset="0"/>
-              </a:rPr>
-              <a:t>Instrument</a:t>
-            </a:r>
-          </a:p>
-        </p:txBody>
-      </p:sp>
-      <p:sp>
-        <p:nvSpPr>
-          <p:cNvPr id="173" name="文本框 483"/>
-          <p:cNvSpPr txBox="1"/>
-          <p:nvPr/>
-        </p:nvSpPr>
-        <p:spPr>
-          <a:xfrm rot="19573498">
-            <a:off x="4618078" y="4041772"/>
-            <a:ext cx="1152279" cy="369332"/>
-          </a:xfrm>
-          <a:prstGeom prst="rect">
-            <a:avLst/>
-          </a:prstGeom>
-          <a:solidFill>
-            <a:schemeClr val="bg1"/>
-          </a:solidFill>
-        </p:spPr>
-        <p:txBody>
-          <a:bodyPr wrap="square" rtlCol="0">
-            <a:spAutoFit/>
-          </a:bodyPr>
-          <a:lstStyle/>
-          <a:p>
-            <a:pPr algn="ctr"/>
-            <a:r>
-              <a:rPr lang="en-US" altLang="zh-CN" b="1" dirty="0" smtClean="0">
-                <a:solidFill>
-                  <a:schemeClr val="accent5">
-                    <a:lumMod val="50000"/>
-                  </a:schemeClr>
-                </a:solidFill>
-                <a:latin typeface="Times New Roman" panose="02020603050405020304" pitchFamily="18" charset="0"/>
-                <a:cs typeface="Times New Roman" panose="02020603050405020304" pitchFamily="18" charset="0"/>
-              </a:rPr>
-              <a:t>Singing</a:t>
-            </a:r>
-          </a:p>
-        </p:txBody>
-      </p:sp>
-      <p:sp>
-        <p:nvSpPr>
-          <p:cNvPr id="178" name="文本框 483"/>
-          <p:cNvSpPr txBox="1"/>
-          <p:nvPr/>
-        </p:nvSpPr>
-        <p:spPr>
-          <a:xfrm rot="16403950">
-            <a:off x="5884425" y="4613096"/>
-            <a:ext cx="614191" cy="369332"/>
-          </a:xfrm>
-          <a:prstGeom prst="rect">
-            <a:avLst/>
-          </a:prstGeom>
-          <a:noFill/>
-        </p:spPr>
-        <p:txBody>
-          <a:bodyPr wrap="square" rtlCol="0">
-            <a:spAutoFit/>
-          </a:bodyPr>
-          <a:lstStyle/>
-          <a:p>
-            <a:pPr algn="ctr"/>
-            <a:r>
-              <a:rPr lang="en-US" altLang="zh-CN" b="1" smtClean="0">
-                <a:solidFill>
-                  <a:schemeClr val="accent5">
-                    <a:lumMod val="50000"/>
-                  </a:schemeClr>
-                </a:solidFill>
-                <a:latin typeface="Times New Roman" panose="02020603050405020304" pitchFamily="18" charset="0"/>
-                <a:cs typeface="Times New Roman" panose="02020603050405020304" pitchFamily="18" charset="0"/>
-              </a:rPr>
-              <a:t>Din</a:t>
-            </a:r>
-            <a:endParaRPr lang="en-US" altLang="zh-CN" b="1" dirty="0" smtClean="0">
-              <a:solidFill>
-                <a:schemeClr val="accent5">
-                  <a:lumMod val="50000"/>
-                </a:schemeClr>
-              </a:solidFill>
-              <a:latin typeface="Times New Roman" panose="02020603050405020304" pitchFamily="18" charset="0"/>
-              <a:cs typeface="Times New Roman" panose="02020603050405020304" pitchFamily="18" charset="0"/>
-            </a:endParaRPr>
-          </a:p>
-        </p:txBody>
-      </p:sp>
-      <p:sp>
-        <p:nvSpPr>
-          <p:cNvPr id="180" name="文本框 483"/>
-          <p:cNvSpPr txBox="1"/>
-          <p:nvPr/>
-        </p:nvSpPr>
-        <p:spPr>
-          <a:xfrm rot="1694682">
-            <a:off x="4267643" y="2686498"/>
-            <a:ext cx="1432760" cy="369332"/>
-          </a:xfrm>
-          <a:prstGeom prst="rect">
-            <a:avLst/>
-          </a:prstGeom>
-          <a:noFill/>
-        </p:spPr>
-        <p:txBody>
-          <a:bodyPr wrap="square" rtlCol="0">
-            <a:spAutoFit/>
-          </a:bodyPr>
-          <a:lstStyle/>
-          <a:p>
-            <a:pPr algn="ctr"/>
-            <a:r>
-              <a:rPr lang="en-US" altLang="zh-CN" b="1" dirty="0" smtClean="0">
-                <a:solidFill>
-                  <a:schemeClr val="accent5">
-                    <a:lumMod val="50000"/>
-                  </a:schemeClr>
-                </a:solidFill>
-                <a:latin typeface="Times New Roman" panose="02020603050405020304" pitchFamily="18" charset="0"/>
-                <a:cs typeface="Times New Roman" panose="02020603050405020304" pitchFamily="18" charset="0"/>
-              </a:rPr>
-              <a:t>Monologue</a:t>
-            </a:r>
-          </a:p>
-        </p:txBody>
-      </p:sp>
-      <p:cxnSp>
-        <p:nvCxnSpPr>
-          <p:cNvPr id="6" name="Straight Connector 5"/>
-          <p:cNvCxnSpPr>
-            <a:stCxn id="419" idx="0"/>
-          </p:cNvCxnSpPr>
-          <p:nvPr/>
-        </p:nvCxnSpPr>
-        <p:spPr>
-          <a:xfrm flipV="1">
-            <a:off x="3743158" y="3582427"/>
-            <a:ext cx="2439781" cy="532335"/>
-          </a:xfrm>
-          <a:prstGeom prst="line">
-            <a:avLst/>
-          </a:prstGeom>
-          <a:ln w="31750" cmpd="dbl">
-            <a:solidFill>
-              <a:schemeClr val="accent5">
-                <a:lumMod val="50000"/>
-              </a:schemeClr>
-            </a:solidFill>
-            <a:prstDash val="sysDash"/>
-          </a:ln>
-        </p:spPr>
-        <p:style>
-          <a:lnRef idx="1">
-            <a:schemeClr val="accent1"/>
-          </a:lnRef>
-          <a:fillRef idx="0">
-            <a:schemeClr val="accent1"/>
-          </a:fillRef>
-          <a:effectRef idx="0">
-            <a:schemeClr val="accent1"/>
-          </a:effectRef>
-          <a:fontRef idx="minor">
-            <a:schemeClr val="tx1"/>
-          </a:fontRef>
-        </p:style>
-      </p:cxnSp>
-      <p:cxnSp>
-        <p:nvCxnSpPr>
-          <p:cNvPr id="181" name="Straight Connector 180"/>
-          <p:cNvCxnSpPr>
-            <a:stCxn id="462" idx="6"/>
-          </p:cNvCxnSpPr>
-          <p:nvPr/>
-        </p:nvCxnSpPr>
-        <p:spPr>
-          <a:xfrm>
-            <a:off x="5561691" y="1108636"/>
-            <a:ext cx="656506" cy="2481523"/>
-          </a:xfrm>
-          <a:prstGeom prst="line">
-            <a:avLst/>
-          </a:prstGeom>
-          <a:ln w="31750" cmpd="dbl">
-            <a:solidFill>
-              <a:schemeClr val="accent5">
-                <a:lumMod val="50000"/>
-              </a:schemeClr>
-            </a:solidFill>
-            <a:prstDash val="sysDash"/>
-          </a:ln>
-        </p:spPr>
-        <p:style>
-          <a:lnRef idx="1">
-            <a:schemeClr val="accent1"/>
-          </a:lnRef>
-          <a:fillRef idx="0">
-            <a:schemeClr val="accent1"/>
-          </a:fillRef>
-          <a:effectRef idx="0">
-            <a:schemeClr val="accent1"/>
-          </a:effectRef>
-          <a:fontRef idx="minor">
-            <a:schemeClr val="tx1"/>
-          </a:fontRef>
-        </p:style>
-      </p:cxnSp>
-      <p:cxnSp>
-        <p:nvCxnSpPr>
-          <p:cNvPr id="186" name="Straight Connector 185"/>
-          <p:cNvCxnSpPr>
-            <a:stCxn id="310" idx="5"/>
-          </p:cNvCxnSpPr>
-          <p:nvPr/>
-        </p:nvCxnSpPr>
-        <p:spPr>
-          <a:xfrm flipH="1">
-            <a:off x="6207108" y="1375834"/>
-            <a:ext cx="1343940" cy="2214325"/>
-          </a:xfrm>
-          <a:prstGeom prst="line">
-            <a:avLst/>
-          </a:prstGeom>
-          <a:ln w="31750" cmpd="dbl">
-            <a:solidFill>
-              <a:schemeClr val="accent5">
-                <a:lumMod val="50000"/>
-              </a:schemeClr>
-            </a:solidFill>
-            <a:prstDash val="sysDash"/>
-          </a:ln>
-        </p:spPr>
-        <p:style>
-          <a:lnRef idx="1">
-            <a:schemeClr val="accent1"/>
-          </a:lnRef>
-          <a:fillRef idx="0">
-            <a:schemeClr val="accent1"/>
-          </a:fillRef>
-          <a:effectRef idx="0">
-            <a:schemeClr val="accent1"/>
-          </a:effectRef>
-          <a:fontRef idx="minor">
-            <a:schemeClr val="tx1"/>
-          </a:fontRef>
-        </p:style>
-      </p:cxnSp>
-      <p:cxnSp>
-        <p:nvCxnSpPr>
-          <p:cNvPr id="190" name="Straight Connector 189"/>
-          <p:cNvCxnSpPr>
-            <a:endCxn id="375" idx="2"/>
-          </p:cNvCxnSpPr>
-          <p:nvPr/>
-        </p:nvCxnSpPr>
-        <p:spPr>
-          <a:xfrm>
-            <a:off x="6207106" y="3590159"/>
-            <a:ext cx="1111298" cy="2195271"/>
-          </a:xfrm>
-          <a:prstGeom prst="line">
-            <a:avLst/>
-          </a:prstGeom>
-          <a:ln w="31750" cmpd="dbl">
-            <a:solidFill>
-              <a:schemeClr val="accent5">
-                <a:lumMod val="50000"/>
-              </a:schemeClr>
-            </a:solidFill>
-            <a:prstDash val="sysDash"/>
-          </a:ln>
-        </p:spPr>
-        <p:style>
-          <a:lnRef idx="1">
-            <a:schemeClr val="accent1"/>
-          </a:lnRef>
-          <a:fillRef idx="0">
-            <a:schemeClr val="accent1"/>
-          </a:fillRef>
-          <a:effectRef idx="0">
-            <a:schemeClr val="accent1"/>
-          </a:effectRef>
-          <a:fontRef idx="minor">
-            <a:schemeClr val="tx1"/>
-          </a:fontRef>
-        </p:style>
-      </p:cxnSp>
-      <p:cxnSp>
-        <p:nvCxnSpPr>
-          <p:cNvPr id="195" name="Straight Connector 194"/>
-          <p:cNvCxnSpPr>
-            <a:endCxn id="405" idx="2"/>
-          </p:cNvCxnSpPr>
-          <p:nvPr/>
-        </p:nvCxnSpPr>
-        <p:spPr>
-          <a:xfrm flipH="1">
-            <a:off x="4965878" y="3581369"/>
-            <a:ext cx="1246465" cy="2193712"/>
-          </a:xfrm>
-          <a:prstGeom prst="line">
-            <a:avLst/>
-          </a:prstGeom>
-          <a:ln w="31750" cmpd="dbl">
-            <a:solidFill>
-              <a:schemeClr val="accent5">
-                <a:lumMod val="50000"/>
-              </a:schemeClr>
-            </a:solidFill>
-            <a:prstDash val="sysDash"/>
-          </a:ln>
-        </p:spPr>
-        <p:style>
-          <a:lnRef idx="1">
-            <a:schemeClr val="accent1"/>
-          </a:lnRef>
-          <a:fillRef idx="0">
-            <a:schemeClr val="accent1"/>
-          </a:fillRef>
-          <a:effectRef idx="0">
-            <a:schemeClr val="accent1"/>
-          </a:effectRef>
-          <a:fontRef idx="minor">
-            <a:schemeClr val="tx1"/>
-          </a:fontRef>
-        </p:style>
-      </p:cxnSp>
       <p:sp>
         <p:nvSpPr>
           <p:cNvPr id="44" name="Oval 43"/>
@@ -18363,6 +17919,30 @@
           </a:p>
         </p:txBody>
       </p:sp>
+      <p:pic>
+        <p:nvPicPr>
+          <p:cNvPr id="4" name="Picture 3"/>
+          <p:cNvPicPr>
+            <a:picLocks noChangeAspect="1"/>
+          </p:cNvPicPr>
+          <p:nvPr/>
+        </p:nvPicPr>
+        <p:blipFill>
+          <a:blip r:embed="rId4"/>
+          <a:stretch>
+            <a:fillRect/>
+          </a:stretch>
+        </p:blipFill>
+        <p:spPr>
+          <a:xfrm>
+            <a:off x="4805338" y="1541226"/>
+            <a:ext cx="1426244" cy="1677627"/>
+          </a:xfrm>
+          <a:prstGeom prst="rect">
+            <a:avLst/>
+          </a:prstGeom>
+        </p:spPr>
+      </p:pic>
     </p:spTree>
     <p:extLst>
       <p:ext uri="{BB962C8B-B14F-4D97-AF65-F5344CB8AC3E}">
